--- a/CalendarioAgo21/presentaciones/10_Matrices.pptx
+++ b/CalendarioAgo21/presentaciones/10_Matrices.pptx
@@ -233,7 +233,7 @@
           <a:p>
             <a:fld id="{9CE7A054-6D4F-4ED4-B3E7-62AC408CF793}" type="datetimeFigureOut">
               <a:rPr lang="es-MX" smtClean="0"/>
-              <a:t>28/09/2020</a:t>
+              <a:t>12/10/2021</a:t>
             </a:fld>
             <a:endParaRPr lang="es-MX"/>
           </a:p>
@@ -1354,7 +1354,7 @@
           <a:p>
             <a:fld id="{05B1B184-8162-40A9-BCCC-182276235E4C}" type="datetimeFigureOut">
               <a:rPr lang="es-MX" smtClean="0"/>
-              <a:t>28/09/2020</a:t>
+              <a:t>12/10/2021</a:t>
             </a:fld>
             <a:endParaRPr lang="es-MX"/>
           </a:p>
@@ -1524,7 +1524,7 @@
           <a:p>
             <a:fld id="{05B1B184-8162-40A9-BCCC-182276235E4C}" type="datetimeFigureOut">
               <a:rPr lang="es-MX" smtClean="0"/>
-              <a:t>28/09/2020</a:t>
+              <a:t>12/10/2021</a:t>
             </a:fld>
             <a:endParaRPr lang="es-MX"/>
           </a:p>
@@ -1704,7 +1704,7 @@
           <a:p>
             <a:fld id="{05B1B184-8162-40A9-BCCC-182276235E4C}" type="datetimeFigureOut">
               <a:rPr lang="es-MX" smtClean="0"/>
-              <a:t>28/09/2020</a:t>
+              <a:t>12/10/2021</a:t>
             </a:fld>
             <a:endParaRPr lang="es-MX"/>
           </a:p>
@@ -1857,7 +1857,7 @@
           <a:p>
             <a:fld id="{1D8BD707-D9CF-40AE-B4C6-C98DA3205C09}" type="datetimeFigureOut">
               <a:rPr lang="en-US" smtClean="0"/>
-              <a:t>9/28/2020</a:t>
+              <a:t>10/12/2021</a:t>
             </a:fld>
             <a:endParaRPr lang="en-US"/>
           </a:p>
@@ -2017,7 +2017,7 @@
           <a:p>
             <a:fld id="{05B1B184-8162-40A9-BCCC-182276235E4C}" type="datetimeFigureOut">
               <a:rPr lang="es-MX" smtClean="0"/>
-              <a:t>28/09/2020</a:t>
+              <a:t>12/10/2021</a:t>
             </a:fld>
             <a:endParaRPr lang="es-MX"/>
           </a:p>
@@ -2263,7 +2263,7 @@
           <a:p>
             <a:fld id="{05B1B184-8162-40A9-BCCC-182276235E4C}" type="datetimeFigureOut">
               <a:rPr lang="es-MX" smtClean="0"/>
-              <a:t>28/09/2020</a:t>
+              <a:t>12/10/2021</a:t>
             </a:fld>
             <a:endParaRPr lang="es-MX"/>
           </a:p>
@@ -2551,7 +2551,7 @@
           <a:p>
             <a:fld id="{05B1B184-8162-40A9-BCCC-182276235E4C}" type="datetimeFigureOut">
               <a:rPr lang="es-MX" smtClean="0"/>
-              <a:t>28/09/2020</a:t>
+              <a:t>12/10/2021</a:t>
             </a:fld>
             <a:endParaRPr lang="es-MX"/>
           </a:p>
@@ -2973,7 +2973,7 @@
           <a:p>
             <a:fld id="{05B1B184-8162-40A9-BCCC-182276235E4C}" type="datetimeFigureOut">
               <a:rPr lang="es-MX" smtClean="0"/>
-              <a:t>28/09/2020</a:t>
+              <a:t>12/10/2021</a:t>
             </a:fld>
             <a:endParaRPr lang="es-MX"/>
           </a:p>
@@ -3091,7 +3091,7 @@
           <a:p>
             <a:fld id="{05B1B184-8162-40A9-BCCC-182276235E4C}" type="datetimeFigureOut">
               <a:rPr lang="es-MX" smtClean="0"/>
-              <a:t>28/09/2020</a:t>
+              <a:t>12/10/2021</a:t>
             </a:fld>
             <a:endParaRPr lang="es-MX"/>
           </a:p>
@@ -3186,7 +3186,7 @@
           <a:p>
             <a:fld id="{05B1B184-8162-40A9-BCCC-182276235E4C}" type="datetimeFigureOut">
               <a:rPr lang="es-MX" smtClean="0"/>
-              <a:t>28/09/2020</a:t>
+              <a:t>12/10/2021</a:t>
             </a:fld>
             <a:endParaRPr lang="es-MX"/>
           </a:p>
@@ -3463,7 +3463,7 @@
           <a:p>
             <a:fld id="{05B1B184-8162-40A9-BCCC-182276235E4C}" type="datetimeFigureOut">
               <a:rPr lang="es-MX" smtClean="0"/>
-              <a:t>28/09/2020</a:t>
+              <a:t>12/10/2021</a:t>
             </a:fld>
             <a:endParaRPr lang="es-MX"/>
           </a:p>
@@ -3716,7 +3716,7 @@
           <a:p>
             <a:fld id="{05B1B184-8162-40A9-BCCC-182276235E4C}" type="datetimeFigureOut">
               <a:rPr lang="es-MX" smtClean="0"/>
-              <a:t>28/09/2020</a:t>
+              <a:t>12/10/2021</a:t>
             </a:fld>
             <a:endParaRPr lang="es-MX"/>
           </a:p>
@@ -3929,7 +3929,7 @@
           <a:p>
             <a:fld id="{05B1B184-8162-40A9-BCCC-182276235E4C}" type="datetimeFigureOut">
               <a:rPr lang="es-MX" smtClean="0"/>
-              <a:t>28/09/2020</a:t>
+              <a:t>12/10/2021</a:t>
             </a:fld>
             <a:endParaRPr lang="es-MX"/>
           </a:p>
@@ -21005,7 +21005,7 @@
         </p:nvSpPr>
         <p:spPr>
           <a:xfrm>
-            <a:off x="899592" y="1383085"/>
+            <a:off x="752351" y="1283606"/>
             <a:ext cx="6120680" cy="5040560"/>
           </a:xfrm>
           <a:prstGeom prst="rect">
